--- a/doc/DevMerge.pptx
+++ b/doc/DevMerge.pptx
@@ -7,6 +7,7 @@
   <p:sldIdLst>
     <p:sldId id="256" r:id="rId2"/>
     <p:sldId id="257" r:id="rId3"/>
+    <p:sldId id="258" r:id="rId4"/>
   </p:sldIdLst>
   <p:sldSz cx="12192000" cy="6858000"/>
   <p:notesSz cx="6858000" cy="9144000"/>
@@ -105,6 +106,11 @@
       </a:defRPr>
     </a:lvl9pPr>
   </p:defaultTextStyle>
+  <p:extLst>
+    <p:ext uri="{EFAFB233-063F-42B5-8137-9DF3F51BA10A}">
+      <p15:sldGuideLst xmlns:p15="http://schemas.microsoft.com/office/powerpoint/2012/main"/>
+    </p:ext>
+  </p:extLst>
 </p:presentation>
 </file>
 
@@ -444,7 +450,7 @@
             <a:fld id="{48A87A34-81AB-432B-8DAE-1953F412C126}" type="datetimeFigureOut">
               <a:rPr lang="en-US" smtClean="0"/>
               <a:pPr/>
-              <a:t>10/27/18</a:t>
+              <a:t>10/28/18</a:t>
             </a:fld>
             <a:endParaRPr lang="en-US" dirty="0"/>
           </a:p>
@@ -1533,7 +1539,7 @@
             <a:fld id="{48A87A34-81AB-432B-8DAE-1953F412C126}" type="datetimeFigureOut">
               <a:rPr lang="en-US" smtClean="0"/>
               <a:pPr/>
-              <a:t>10/27/18</a:t>
+              <a:t>10/28/18</a:t>
             </a:fld>
             <a:endParaRPr lang="en-US" dirty="0"/>
           </a:p>
@@ -2515,7 +2521,7 @@
             <a:fld id="{48A87A34-81AB-432B-8DAE-1953F412C126}" type="datetimeFigureOut">
               <a:rPr lang="en-US" smtClean="0"/>
               <a:pPr/>
-              <a:t>10/27/18</a:t>
+              <a:t>10/28/18</a:t>
             </a:fld>
             <a:endParaRPr lang="en-US" dirty="0"/>
           </a:p>
@@ -3651,7 +3657,7 @@
             <a:fld id="{48A87A34-81AB-432B-8DAE-1953F412C126}" type="datetimeFigureOut">
               <a:rPr lang="en-US" smtClean="0"/>
               <a:pPr/>
-              <a:t>10/27/18</a:t>
+              <a:t>10/28/18</a:t>
             </a:fld>
             <a:endParaRPr lang="en-US" dirty="0"/>
           </a:p>
@@ -4686,7 +4692,7 @@
             <a:fld id="{48A87A34-81AB-432B-8DAE-1953F412C126}" type="datetimeFigureOut">
               <a:rPr lang="en-US" smtClean="0"/>
               <a:pPr/>
-              <a:t>10/27/18</a:t>
+              <a:t>10/28/18</a:t>
             </a:fld>
             <a:endParaRPr lang="en-US" dirty="0"/>
           </a:p>
@@ -5348,7 +5354,7 @@
             <a:fld id="{48A87A34-81AB-432B-8DAE-1953F412C126}" type="datetimeFigureOut">
               <a:rPr lang="en-US" smtClean="0"/>
               <a:pPr/>
-              <a:t>10/27/18</a:t>
+              <a:t>10/28/18</a:t>
             </a:fld>
             <a:endParaRPr lang="en-US" dirty="0"/>
           </a:p>
@@ -6211,7 +6217,7 @@
             <a:fld id="{48A87A34-81AB-432B-8DAE-1953F412C126}" type="datetimeFigureOut">
               <a:rPr lang="en-US" smtClean="0"/>
               <a:pPr/>
-              <a:t>10/27/18</a:t>
+              <a:t>10/28/18</a:t>
             </a:fld>
             <a:endParaRPr lang="en-US" dirty="0"/>
           </a:p>
@@ -6402,7 +6408,7 @@
           <a:p>
             <a:fld id="{48A87A34-81AB-432B-8DAE-1953F412C126}" type="datetimeFigureOut">
               <a:rPr lang="en-US" smtClean="0"/>
-              <a:t>10/27/18</a:t>
+              <a:t>10/28/18</a:t>
             </a:fld>
             <a:endParaRPr lang="en-US" dirty="0"/>
           </a:p>
@@ -7374,7 +7380,7 @@
           <a:p>
             <a:fld id="{48A87A34-81AB-432B-8DAE-1953F412C126}" type="datetimeFigureOut">
               <a:rPr lang="en-US" smtClean="0"/>
-              <a:t>10/27/18</a:t>
+              <a:t>10/28/18</a:t>
             </a:fld>
             <a:endParaRPr lang="en-US" dirty="0"/>
           </a:p>
@@ -7585,7 +7591,7 @@
           <a:p>
             <a:fld id="{48A87A34-81AB-432B-8DAE-1953F412C126}" type="datetimeFigureOut">
               <a:rPr lang="en-US" smtClean="0"/>
-              <a:t>10/27/18</a:t>
+              <a:t>10/28/18</a:t>
             </a:fld>
             <a:endParaRPr lang="en-US" dirty="0"/>
           </a:p>
@@ -8619,7 +8625,7 @@
           <a:p>
             <a:fld id="{48A87A34-81AB-432B-8DAE-1953F412C126}" type="datetimeFigureOut">
               <a:rPr lang="en-US" smtClean="0"/>
-              <a:t>10/27/18</a:t>
+              <a:t>10/28/18</a:t>
             </a:fld>
             <a:endParaRPr lang="en-US" dirty="0"/>
           </a:p>
@@ -8891,7 +8897,7 @@
           <a:p>
             <a:fld id="{48A87A34-81AB-432B-8DAE-1953F412C126}" type="datetimeFigureOut">
               <a:rPr lang="en-US" smtClean="0"/>
-              <a:t>10/27/18</a:t>
+              <a:t>10/28/18</a:t>
             </a:fld>
             <a:endParaRPr lang="en-US" dirty="0"/>
           </a:p>
@@ -9301,7 +9307,7 @@
           <a:p>
             <a:fld id="{48A87A34-81AB-432B-8DAE-1953F412C126}" type="datetimeFigureOut">
               <a:rPr lang="en-US" smtClean="0"/>
-              <a:t>10/27/18</a:t>
+              <a:t>10/28/18</a:t>
             </a:fld>
             <a:endParaRPr lang="en-US" dirty="0"/>
           </a:p>
@@ -9428,7 +9434,7 @@
           <a:p>
             <a:fld id="{48A87A34-81AB-432B-8DAE-1953F412C126}" type="datetimeFigureOut">
               <a:rPr lang="en-US" smtClean="0"/>
-              <a:t>10/27/18</a:t>
+              <a:t>10/28/18</a:t>
             </a:fld>
             <a:endParaRPr lang="en-US" dirty="0"/>
           </a:p>
@@ -9523,7 +9529,7 @@
           <a:p>
             <a:fld id="{48A87A34-81AB-432B-8DAE-1953F412C126}" type="datetimeFigureOut">
               <a:rPr lang="en-US" smtClean="0"/>
-              <a:t>10/27/18</a:t>
+              <a:t>10/28/18</a:t>
             </a:fld>
             <a:endParaRPr lang="en-US" dirty="0"/>
           </a:p>
@@ -10604,7 +10610,7 @@
           <a:p>
             <a:fld id="{48A87A34-81AB-432B-8DAE-1953F412C126}" type="datetimeFigureOut">
               <a:rPr lang="en-US" smtClean="0"/>
-              <a:t>10/27/18</a:t>
+              <a:t>10/28/18</a:t>
             </a:fld>
             <a:endParaRPr lang="en-US" dirty="0"/>
           </a:p>
@@ -11712,7 +11718,7 @@
           <a:p>
             <a:fld id="{48A87A34-81AB-432B-8DAE-1953F412C126}" type="datetimeFigureOut">
               <a:rPr lang="en-US" smtClean="0"/>
-              <a:t>10/27/18</a:t>
+              <a:t>10/28/18</a:t>
             </a:fld>
             <a:endParaRPr lang="en-US" dirty="0"/>
           </a:p>
@@ -12710,7 +12716,7 @@
             <a:fld id="{48A87A34-81AB-432B-8DAE-1953F412C126}" type="datetimeFigureOut">
               <a:rPr lang="en-US" smtClean="0"/>
               <a:pPr/>
-              <a:t>10/27/18</a:t>
+              <a:t>10/28/18</a:t>
             </a:fld>
             <a:endParaRPr lang="en-US" dirty="0"/>
           </a:p>
@@ -13656,8 +13662,8 @@
         </p:blipFill>
         <p:spPr>
           <a:xfrm>
-            <a:off x="460835" y="494009"/>
-            <a:ext cx="4813990" cy="5906791"/>
+            <a:off x="460835" y="447473"/>
+            <a:ext cx="4813990" cy="5953328"/>
           </a:xfrm>
           <a:prstGeom prst="roundRect">
             <a:avLst>
@@ -13677,6 +13683,306 @@
     <p:extLst>
       <p:ext uri="{BB962C8B-B14F-4D97-AF65-F5344CB8AC3E}">
         <p14:creationId xmlns:p14="http://schemas.microsoft.com/office/powerpoint/2010/main" val="2482743034"/>
+      </p:ext>
+    </p:extLst>
+  </p:cSld>
+  <p:clrMapOvr>
+    <a:masterClrMapping/>
+  </p:clrMapOvr>
+</p:sld>
+</file>
+
+<file path=ppt/slides/slide3.xml><?xml version="1.0" encoding="utf-8"?>
+<p:sld xmlns:a="http://schemas.openxmlformats.org/drawingml/2006/main" xmlns:r="http://schemas.openxmlformats.org/officeDocument/2006/relationships" xmlns:p="http://schemas.openxmlformats.org/presentationml/2006/main">
+  <p:cSld>
+    <p:spTree>
+      <p:nvGrpSpPr>
+        <p:cNvPr id="1" name=""/>
+        <p:cNvGrpSpPr/>
+        <p:nvPr/>
+      </p:nvGrpSpPr>
+      <p:grpSpPr>
+        <a:xfrm>
+          <a:off x="0" y="0"/>
+          <a:ext cx="0" cy="0"/>
+          <a:chOff x="0" y="0"/>
+          <a:chExt cx="0" cy="0"/>
+        </a:xfrm>
+      </p:grpSpPr>
+      <p:sp>
+        <p:nvSpPr>
+          <p:cNvPr id="4" name="Title 3">
+            <a:extLst>
+              <a:ext uri="{FF2B5EF4-FFF2-40B4-BE49-F238E27FC236}">
+                <a16:creationId xmlns:a16="http://schemas.microsoft.com/office/drawing/2014/main" id="{8CBDE627-6BC8-724D-A88F-7DCC053486D3}"/>
+              </a:ext>
+            </a:extLst>
+          </p:cNvPr>
+          <p:cNvSpPr>
+            <a:spLocks noGrp="1"/>
+          </p:cNvSpPr>
+          <p:nvPr>
+            <p:ph type="title"/>
+          </p:nvPr>
+        </p:nvSpPr>
+        <p:spPr/>
+        <p:txBody>
+          <a:bodyPr/>
+          <a:lstStyle/>
+          <a:p>
+            <a:r>
+              <a:rPr lang="en-US" dirty="0"/>
+              <a:t>Proposed solution using Blockchain</a:t>
+            </a:r>
+          </a:p>
+        </p:txBody>
+      </p:sp>
+      <p:sp>
+        <p:nvSpPr>
+          <p:cNvPr id="5" name="Text Placeholder 4">
+            <a:extLst>
+              <a:ext uri="{FF2B5EF4-FFF2-40B4-BE49-F238E27FC236}">
+                <a16:creationId xmlns:a16="http://schemas.microsoft.com/office/drawing/2014/main" id="{09570B94-6973-2844-8194-A4CC22438FFC}"/>
+              </a:ext>
+            </a:extLst>
+          </p:cNvPr>
+          <p:cNvSpPr>
+            <a:spLocks noGrp="1"/>
+          </p:cNvSpPr>
+          <p:nvPr>
+            <p:ph type="body" idx="1"/>
+          </p:nvPr>
+        </p:nvSpPr>
+        <p:spPr>
+          <a:xfrm>
+            <a:off x="1154954" y="2603500"/>
+            <a:ext cx="3141878" cy="706966"/>
+          </a:xfrm>
+        </p:spPr>
+        <p:txBody>
+          <a:bodyPr/>
+          <a:lstStyle/>
+          <a:p>
+            <a:r>
+              <a:rPr lang="en-US" dirty="0"/>
+              <a:t>Centralized KYC</a:t>
+            </a:r>
+            <a:br>
+              <a:rPr lang="en-US" dirty="0"/>
+            </a:br>
+            <a:endParaRPr lang="en-US" dirty="0"/>
+          </a:p>
+        </p:txBody>
+      </p:sp>
+      <p:sp>
+        <p:nvSpPr>
+          <p:cNvPr id="8" name="Text Placeholder 7">
+            <a:extLst>
+              <a:ext uri="{FF2B5EF4-FFF2-40B4-BE49-F238E27FC236}">
+                <a16:creationId xmlns:a16="http://schemas.microsoft.com/office/drawing/2014/main" id="{26D77033-3B29-174C-B4AD-AA561683C93F}"/>
+              </a:ext>
+            </a:extLst>
+          </p:cNvPr>
+          <p:cNvSpPr>
+            <a:spLocks noGrp="1"/>
+          </p:cNvSpPr>
+          <p:nvPr>
+            <p:ph type="body" sz="half" idx="15"/>
+          </p:nvPr>
+        </p:nvSpPr>
+        <p:spPr>
+          <a:xfrm>
+            <a:off x="1154953" y="3310466"/>
+            <a:ext cx="3141879" cy="2716591"/>
+          </a:xfrm>
+        </p:spPr>
+        <p:txBody>
+          <a:bodyPr>
+            <a:normAutofit lnSpcReduction="10000"/>
+          </a:bodyPr>
+          <a:lstStyle/>
+          <a:p>
+            <a:pPr marL="285750" indent="-285750">
+              <a:buFont typeface="Arial" panose="020B0604020202020204" pitchFamily="34" charset="0"/>
+              <a:buChar char="•"/>
+            </a:pPr>
+            <a:r>
+              <a:rPr lang="en-US" sz="2400" dirty="0"/>
+              <a:t>Leverage the existing centralized KYC Registry for vetting the users of the system</a:t>
+            </a:r>
+            <a:br>
+              <a:rPr lang="en-US" sz="2400" dirty="0"/>
+            </a:br>
+            <a:r>
+              <a:rPr lang="en-US" sz="1800" dirty="0">
+                <a:hlinkClick r:id="rId2"/>
+              </a:rPr>
+              <a:t>https://testbed.ckycindia.in/ckyc/index.php</a:t>
+            </a:r>
+            <a:r>
+              <a:rPr lang="en-US" sz="1800" dirty="0"/>
+              <a:t> </a:t>
+            </a:r>
+            <a:endParaRPr lang="en-US" sz="2400" dirty="0"/>
+          </a:p>
+        </p:txBody>
+      </p:sp>
+      <p:sp>
+        <p:nvSpPr>
+          <p:cNvPr id="6" name="Text Placeholder 5">
+            <a:extLst>
+              <a:ext uri="{FF2B5EF4-FFF2-40B4-BE49-F238E27FC236}">
+                <a16:creationId xmlns:a16="http://schemas.microsoft.com/office/drawing/2014/main" id="{11ED8BAF-AD46-C044-A0A2-86E19CC527B1}"/>
+              </a:ext>
+            </a:extLst>
+          </p:cNvPr>
+          <p:cNvSpPr>
+            <a:spLocks noGrp="1"/>
+          </p:cNvSpPr>
+          <p:nvPr>
+            <p:ph type="body" sz="quarter" idx="3"/>
+          </p:nvPr>
+        </p:nvSpPr>
+        <p:spPr>
+          <a:xfrm>
+            <a:off x="4512721" y="2603500"/>
+            <a:ext cx="3147009" cy="706964"/>
+          </a:xfrm>
+        </p:spPr>
+        <p:txBody>
+          <a:bodyPr/>
+          <a:lstStyle/>
+          <a:p>
+            <a:r>
+              <a:rPr lang="en-US" dirty="0"/>
+              <a:t>Fiat Currency Converter</a:t>
+            </a:r>
+          </a:p>
+        </p:txBody>
+      </p:sp>
+      <p:sp>
+        <p:nvSpPr>
+          <p:cNvPr id="9" name="Text Placeholder 8">
+            <a:extLst>
+              <a:ext uri="{FF2B5EF4-FFF2-40B4-BE49-F238E27FC236}">
+                <a16:creationId xmlns:a16="http://schemas.microsoft.com/office/drawing/2014/main" id="{5F06310B-721F-3541-BDC9-10848FF4515B}"/>
+              </a:ext>
+            </a:extLst>
+          </p:cNvPr>
+          <p:cNvSpPr>
+            <a:spLocks noGrp="1"/>
+          </p:cNvSpPr>
+          <p:nvPr>
+            <p:ph type="body" sz="half" idx="16"/>
+          </p:nvPr>
+        </p:nvSpPr>
+        <p:spPr>
+          <a:xfrm>
+            <a:off x="4512721" y="3310466"/>
+            <a:ext cx="3147009" cy="2716590"/>
+          </a:xfrm>
+        </p:spPr>
+        <p:txBody>
+          <a:bodyPr>
+            <a:normAutofit/>
+          </a:bodyPr>
+          <a:lstStyle/>
+          <a:p>
+            <a:pPr marL="285750" indent="-285750">
+              <a:buFont typeface="Arial" panose="020B0604020202020204" pitchFamily="34" charset="0"/>
+              <a:buChar char="•"/>
+            </a:pPr>
+            <a:r>
+              <a:rPr lang="en-US" sz="2400" dirty="0"/>
+              <a:t>Use existing FinTech Solutions to onboard users quickly and to simplify the Fiat to </a:t>
+            </a:r>
+            <a:r>
+              <a:rPr lang="en-US" sz="2400" dirty="0" err="1"/>
+              <a:t>Cypto</a:t>
+            </a:r>
+            <a:r>
+              <a:rPr lang="en-US" sz="2400" dirty="0"/>
+              <a:t> currency conversions</a:t>
+            </a:r>
+          </a:p>
+        </p:txBody>
+      </p:sp>
+      <p:sp>
+        <p:nvSpPr>
+          <p:cNvPr id="7" name="Text Placeholder 6">
+            <a:extLst>
+              <a:ext uri="{FF2B5EF4-FFF2-40B4-BE49-F238E27FC236}">
+                <a16:creationId xmlns:a16="http://schemas.microsoft.com/office/drawing/2014/main" id="{67A25EE8-3AF2-E240-AC02-AAD536824589}"/>
+              </a:ext>
+            </a:extLst>
+          </p:cNvPr>
+          <p:cNvSpPr>
+            <a:spLocks noGrp="1"/>
+          </p:cNvSpPr>
+          <p:nvPr>
+            <p:ph type="body" sz="quarter" idx="13"/>
+          </p:nvPr>
+        </p:nvSpPr>
+        <p:spPr>
+          <a:xfrm>
+            <a:off x="7888135" y="2603500"/>
+            <a:ext cx="3145730" cy="706963"/>
+          </a:xfrm>
+        </p:spPr>
+        <p:txBody>
+          <a:bodyPr/>
+          <a:lstStyle/>
+          <a:p>
+            <a:r>
+              <a:rPr lang="en-US" dirty="0"/>
+              <a:t>Escrow Smart Contract</a:t>
+            </a:r>
+          </a:p>
+        </p:txBody>
+      </p:sp>
+      <p:sp>
+        <p:nvSpPr>
+          <p:cNvPr id="10" name="Text Placeholder 9">
+            <a:extLst>
+              <a:ext uri="{FF2B5EF4-FFF2-40B4-BE49-F238E27FC236}">
+                <a16:creationId xmlns:a16="http://schemas.microsoft.com/office/drawing/2014/main" id="{0C227032-D052-0D44-A210-02B70384D4BD}"/>
+              </a:ext>
+            </a:extLst>
+          </p:cNvPr>
+          <p:cNvSpPr>
+            <a:spLocks noGrp="1"/>
+          </p:cNvSpPr>
+          <p:nvPr>
+            <p:ph type="body" sz="half" idx="17"/>
+          </p:nvPr>
+        </p:nvSpPr>
+        <p:spPr>
+          <a:xfrm>
+            <a:off x="7888329" y="3310463"/>
+            <a:ext cx="3145536" cy="2716592"/>
+          </a:xfrm>
+        </p:spPr>
+        <p:txBody>
+          <a:bodyPr>
+            <a:noAutofit/>
+          </a:bodyPr>
+          <a:lstStyle/>
+          <a:p>
+            <a:pPr marL="285750" indent="-285750">
+              <a:buFont typeface="Arial" panose="020B0604020202020204" pitchFamily="34" charset="0"/>
+              <a:buChar char="•"/>
+            </a:pPr>
+            <a:r>
+              <a:rPr lang="en-US" sz="2400" dirty="0"/>
+              <a:t>Replace the middle man with Escrow Smart Contract to store the chit fund sum securely &amp; transparently</a:t>
+            </a:r>
+          </a:p>
+        </p:txBody>
+      </p:sp>
+    </p:spTree>
+    <p:extLst>
+      <p:ext uri="{BB962C8B-B14F-4D97-AF65-F5344CB8AC3E}">
+        <p14:creationId xmlns:p14="http://schemas.microsoft.com/office/powerpoint/2010/main" val="3998331909"/>
       </p:ext>
     </p:extLst>
   </p:cSld>

--- a/doc/DevMerge.pptx
+++ b/doc/DevMerge.pptx
@@ -13798,7 +13798,7 @@
         </p:spPr>
         <p:txBody>
           <a:bodyPr>
-            <a:normAutofit lnSpcReduction="10000"/>
+            <a:normAutofit/>
           </a:bodyPr>
           <a:lstStyle/>
           <a:p>
@@ -13807,11 +13807,11 @@
               <a:buChar char="•"/>
             </a:pPr>
             <a:r>
-              <a:rPr lang="en-US" sz="2400" dirty="0"/>
+              <a:rPr lang="en-US" sz="2000" dirty="0"/>
               <a:t>Leverage the existing centralized KYC Registry for vetting the users of the system</a:t>
             </a:r>
             <a:br>
-              <a:rPr lang="en-US" sz="2400" dirty="0"/>
+              <a:rPr lang="en-US" sz="2000" dirty="0"/>
             </a:br>
             <a:r>
               <a:rPr lang="en-US" sz="1800" dirty="0">
@@ -13893,15 +13893,15 @@
               <a:buChar char="•"/>
             </a:pPr>
             <a:r>
-              <a:rPr lang="en-US" sz="2400" dirty="0"/>
-              <a:t>Use existing FinTech Solutions to onboard users quickly and to simplify the Fiat to </a:t>
+              <a:rPr lang="en-US" sz="2000" dirty="0"/>
+              <a:t>Use existing FinTech Solutions like PayPal to onboard users quickly and to simplify the Fiat to </a:t>
             </a:r>
             <a:r>
-              <a:rPr lang="en-US" sz="2400" dirty="0" err="1"/>
+              <a:rPr lang="en-US" sz="2000" dirty="0" err="1"/>
               <a:t>Cypto</a:t>
             </a:r>
             <a:r>
-              <a:rPr lang="en-US" sz="2400" dirty="0"/>
+              <a:rPr lang="en-US" sz="2000" dirty="0"/>
               <a:t> currency conversions</a:t>
             </a:r>
           </a:p>
@@ -13973,8 +13973,16 @@
               <a:buChar char="•"/>
             </a:pPr>
             <a:r>
-              <a:rPr lang="en-US" sz="2400" dirty="0"/>
-              <a:t>Replace the middle man with Escrow Smart Contract to store the chit fund sum securely &amp; transparently</a:t>
+              <a:rPr lang="en-US" sz="2000" dirty="0"/>
+              <a:t>Replace the middle man with Escrow Smart Contract to store the chit fund sum securely and to automate the withdrawal </a:t>
+            </a:r>
+            <a:r>
+              <a:rPr lang="en-US" sz="2000"/>
+              <a:t>rpoces</a:t>
+            </a:r>
+            <a:r>
+              <a:rPr lang="en-US" sz="2000" dirty="0"/>
+              <a:t>s</a:t>
             </a:r>
           </a:p>
         </p:txBody>

--- a/doc/DevMerge.pptx
+++ b/doc/DevMerge.pptx
@@ -13641,42 +13641,32 @@
       </p:sp>
       <p:pic>
         <p:nvPicPr>
-          <p:cNvPr id="74" name="Content Placeholder 4" descr="A close up of a map&#10;&#10;Description automatically generated">
+          <p:cNvPr id="4" name="Picture 3" descr="A close up of a map&#13;&#10;&#13;&#10;Description automatically generated">
             <a:extLst>
               <a:ext uri="{FF2B5EF4-FFF2-40B4-BE49-F238E27FC236}">
-                <a16:creationId xmlns:a16="http://schemas.microsoft.com/office/drawing/2014/main" id="{AD67FB3C-D913-A24B-8610-4C34659E6CE7}"/>
+                <a16:creationId xmlns:a16="http://schemas.microsoft.com/office/drawing/2014/main" id="{AFB10F2D-5CB9-C445-A4BF-CF49C326054A}"/>
               </a:ext>
             </a:extLst>
           </p:cNvPr>
           <p:cNvPicPr>
-            <a:picLocks noGrp="1" noChangeAspect="1"/>
+            <a:picLocks noChangeAspect="1"/>
           </p:cNvPicPr>
-          <p:nvPr>
-            <p:ph idx="4294967295"/>
-          </p:nvPr>
+          <p:nvPr/>
         </p:nvPicPr>
-        <p:blipFill rotWithShape="1">
+        <p:blipFill>
           <a:blip r:embed="rId3"/>
-          <a:srcRect r="-2" b="18069"/>
-          <a:stretch/>
+          <a:stretch>
+            <a:fillRect/>
+          </a:stretch>
         </p:blipFill>
         <p:spPr>
           <a:xfrm>
-            <a:off x="460835" y="447473"/>
-            <a:ext cx="4813990" cy="5953328"/>
+            <a:off x="359022" y="469557"/>
+            <a:ext cx="4668619" cy="5918886"/>
           </a:xfrm>
-          <a:prstGeom prst="roundRect">
-            <a:avLst>
-              <a:gd name="adj" fmla="val 1858"/>
-            </a:avLst>
+          <a:prstGeom prst="rect">
+            <a:avLst/>
           </a:prstGeom>
-          <a:effectLst>
-            <a:outerShdw blurRad="50800" dist="50800" dir="5400000" algn="tl" rotWithShape="0">
-              <a:srgbClr val="000000">
-                <a:alpha val="43000"/>
-              </a:srgbClr>
-            </a:outerShdw>
-          </a:effectLst>
         </p:spPr>
       </p:pic>
     </p:spTree>
@@ -13974,16 +13964,13 @@
             </a:pPr>
             <a:r>
               <a:rPr lang="en-US" sz="2000" dirty="0"/>
-              <a:t>Replace the middle man with Escrow Smart Contract to store the chit fund sum securely and to automate the withdrawal </a:t>
+              <a:t>Replace the middle man with Escrow Smart Contract to store the chit fund sum securely and to automate the </a:t>
             </a:r>
             <a:r>
               <a:rPr lang="en-US" sz="2000"/>
-              <a:t>rpoces</a:t>
+              <a:t>withdrawal process</a:t>
             </a:r>
-            <a:r>
-              <a:rPr lang="en-US" sz="2000" dirty="0"/>
-              <a:t>s</a:t>
-            </a:r>
+            <a:endParaRPr lang="en-US" sz="2000" dirty="0"/>
           </a:p>
         </p:txBody>
       </p:sp>
